--- a/Market Basket Analysis.pptx
+++ b/Market Basket Analysis.pptx
@@ -4949,6 +4949,41 @@
           </a:p>
         </p:txBody>
       </p:sp>
+      <p:sp>
+        <p:nvSpPr>
+          <p:cNvPr id="7" name="CuadroTexto 6">
+            <a:extLst>
+              <a:ext uri="{FF2B5EF4-FFF2-40B4-BE49-F238E27FC236}">
+                <a16:creationId xmlns:a16="http://schemas.microsoft.com/office/drawing/2014/main" id="{51BD6E5A-CA77-B4DA-04AF-7891A794191E}"/>
+              </a:ext>
+            </a:extLst>
+          </p:cNvPr>
+          <p:cNvSpPr txBox="1"/>
+          <p:nvPr/>
+        </p:nvSpPr>
+        <p:spPr>
+          <a:xfrm>
+            <a:off x="133163" y="6492875"/>
+            <a:ext cx="9681099" cy="261610"/>
+          </a:xfrm>
+          <a:prstGeom prst="rect">
+            <a:avLst/>
+          </a:prstGeom>
+          <a:noFill/>
+        </p:spPr>
+        <p:txBody>
+          <a:bodyPr wrap="square" rtlCol="0">
+            <a:spAutoFit/>
+          </a:bodyPr>
+          <a:lstStyle/>
+          <a:p>
+            <a:r>
+              <a:rPr lang="en-US" sz="1100" dirty="0"/>
+              <a:t>https://developpaper.com/association-rule-mining-and-apriori-algorithm/</a:t>
+            </a:r>
+          </a:p>
+        </p:txBody>
+      </p:sp>
     </p:spTree>
     <p:extLst>
       <p:ext uri="{BB962C8B-B14F-4D97-AF65-F5344CB8AC3E}">
